--- a/r_data_analyst_icon.pptx
+++ b/r_data_analyst_icon.pptx
@@ -104,6 +104,11 @@
       </a:defRPr>
     </a:lvl9pPr>
   </p:defaultTextStyle>
+  <p:extLst>
+    <p:ext uri="{EFAFB233-063F-42B5-8137-9DF3F51BA10A}">
+      <p15:sldGuideLst xmlns:p15="http://schemas.microsoft.com/office/powerpoint/2012/main"/>
+    </p:ext>
+  </p:extLst>
 </p:presentation>
 </file>
 
@@ -258,7 +263,7 @@
           <a:p>
             <a:fld id="{27FD2ABB-B8FB-44A9-A29B-C51C56C4F8CA}" type="datetimeFigureOut">
               <a:rPr lang="en-US" smtClean="0"/>
-              <a:t>12/10/2017</a:t>
+              <a:t>12/11/2017</a:t>
             </a:fld>
             <a:endParaRPr lang="en-US"/>
           </a:p>
@@ -456,7 +461,7 @@
           <a:p>
             <a:fld id="{27FD2ABB-B8FB-44A9-A29B-C51C56C4F8CA}" type="datetimeFigureOut">
               <a:rPr lang="en-US" smtClean="0"/>
-              <a:t>12/10/2017</a:t>
+              <a:t>12/11/2017</a:t>
             </a:fld>
             <a:endParaRPr lang="en-US"/>
           </a:p>
@@ -664,7 +669,7 @@
           <a:p>
             <a:fld id="{27FD2ABB-B8FB-44A9-A29B-C51C56C4F8CA}" type="datetimeFigureOut">
               <a:rPr lang="en-US" smtClean="0"/>
-              <a:t>12/10/2017</a:t>
+              <a:t>12/11/2017</a:t>
             </a:fld>
             <a:endParaRPr lang="en-US"/>
           </a:p>
@@ -862,7 +867,7 @@
           <a:p>
             <a:fld id="{27FD2ABB-B8FB-44A9-A29B-C51C56C4F8CA}" type="datetimeFigureOut">
               <a:rPr lang="en-US" smtClean="0"/>
-              <a:t>12/10/2017</a:t>
+              <a:t>12/11/2017</a:t>
             </a:fld>
             <a:endParaRPr lang="en-US"/>
           </a:p>
@@ -1137,7 +1142,7 @@
           <a:p>
             <a:fld id="{27FD2ABB-B8FB-44A9-A29B-C51C56C4F8CA}" type="datetimeFigureOut">
               <a:rPr lang="en-US" smtClean="0"/>
-              <a:t>12/10/2017</a:t>
+              <a:t>12/11/2017</a:t>
             </a:fld>
             <a:endParaRPr lang="en-US"/>
           </a:p>
@@ -1402,7 +1407,7 @@
           <a:p>
             <a:fld id="{27FD2ABB-B8FB-44A9-A29B-C51C56C4F8CA}" type="datetimeFigureOut">
               <a:rPr lang="en-US" smtClean="0"/>
-              <a:t>12/10/2017</a:t>
+              <a:t>12/11/2017</a:t>
             </a:fld>
             <a:endParaRPr lang="en-US"/>
           </a:p>
@@ -1814,7 +1819,7 @@
           <a:p>
             <a:fld id="{27FD2ABB-B8FB-44A9-A29B-C51C56C4F8CA}" type="datetimeFigureOut">
               <a:rPr lang="en-US" smtClean="0"/>
-              <a:t>12/10/2017</a:t>
+              <a:t>12/11/2017</a:t>
             </a:fld>
             <a:endParaRPr lang="en-US"/>
           </a:p>
@@ -1955,7 +1960,7 @@
           <a:p>
             <a:fld id="{27FD2ABB-B8FB-44A9-A29B-C51C56C4F8CA}" type="datetimeFigureOut">
               <a:rPr lang="en-US" smtClean="0"/>
-              <a:t>12/10/2017</a:t>
+              <a:t>12/11/2017</a:t>
             </a:fld>
             <a:endParaRPr lang="en-US"/>
           </a:p>
@@ -2068,7 +2073,7 @@
           <a:p>
             <a:fld id="{27FD2ABB-B8FB-44A9-A29B-C51C56C4F8CA}" type="datetimeFigureOut">
               <a:rPr lang="en-US" smtClean="0"/>
-              <a:t>12/10/2017</a:t>
+              <a:t>12/11/2017</a:t>
             </a:fld>
             <a:endParaRPr lang="en-US"/>
           </a:p>
@@ -2379,7 +2384,7 @@
           <a:p>
             <a:fld id="{27FD2ABB-B8FB-44A9-A29B-C51C56C4F8CA}" type="datetimeFigureOut">
               <a:rPr lang="en-US" smtClean="0"/>
-              <a:t>12/10/2017</a:t>
+              <a:t>12/11/2017</a:t>
             </a:fld>
             <a:endParaRPr lang="en-US"/>
           </a:p>
@@ -2667,7 +2672,7 @@
           <a:p>
             <a:fld id="{27FD2ABB-B8FB-44A9-A29B-C51C56C4F8CA}" type="datetimeFigureOut">
               <a:rPr lang="en-US" smtClean="0"/>
-              <a:t>12/10/2017</a:t>
+              <a:t>12/11/2017</a:t>
             </a:fld>
             <a:endParaRPr lang="en-US"/>
           </a:p>
@@ -2908,7 +2913,7 @@
           <a:p>
             <a:fld id="{27FD2ABB-B8FB-44A9-A29B-C51C56C4F8CA}" type="datetimeFigureOut">
               <a:rPr lang="en-US" smtClean="0"/>
-              <a:t>12/10/2017</a:t>
+              <a:t>12/11/2017</a:t>
             </a:fld>
             <a:endParaRPr lang="en-US"/>
           </a:p>
@@ -3439,6 +3444,43 @@
           </a:p>
         </p:txBody>
       </p:sp>
+      <p:sp>
+        <p:nvSpPr>
+          <p:cNvPr id="2" name="TextBox 1">
+            <a:extLst>
+              <a:ext uri="{FF2B5EF4-FFF2-40B4-BE49-F238E27FC236}">
+                <a16:creationId xmlns:a16="http://schemas.microsoft.com/office/drawing/2014/main" id="{BD77CAF9-621E-4153-853C-1870DABCBD4C}"/>
+              </a:ext>
+            </a:extLst>
+          </p:cNvPr>
+          <p:cNvSpPr txBox="1"/>
+          <p:nvPr/>
+        </p:nvSpPr>
+        <p:spPr>
+          <a:xfrm>
+            <a:off x="2266122" y="3061252"/>
+            <a:ext cx="322524" cy="369332"/>
+          </a:xfrm>
+          <a:prstGeom prst="rect">
+            <a:avLst/>
+          </a:prstGeom>
+          <a:noFill/>
+        </p:spPr>
+        <p:txBody>
+          <a:bodyPr wrap="none" rtlCol="0">
+            <a:spAutoFit/>
+          </a:bodyPr>
+          <a:lstStyle/>
+          <a:p>
+            <a:r>
+              <a:rPr lang="en-US" u="sng" dirty="0">
+                <a:latin typeface="Bauhaus 93" panose="04030905020B02020C02" pitchFamily="82" charset="0"/>
+              </a:rPr>
+              <a:t>R</a:t>
+            </a:r>
+          </a:p>
+        </p:txBody>
+      </p:sp>
     </p:spTree>
     <p:extLst>
       <p:ext uri="{BB962C8B-B14F-4D97-AF65-F5344CB8AC3E}">
